--- a/2024-2025/Wyk/Wyklad1.pptx
+++ b/2024-2025/Wyk/Wyklad1.pptx
@@ -31,8 +31,8 @@
     <p:sldId id="524" r:id="rId19"/>
     <p:sldId id="542" r:id="rId20"/>
     <p:sldId id="525" r:id="rId21"/>
-    <p:sldId id="543" r:id="rId22"/>
-    <p:sldId id="528" r:id="rId23"/>
+    <p:sldId id="528" r:id="rId22"/>
+    <p:sldId id="543" r:id="rId23"/>
   </p:sldIdLst>
   <p:sldSz cx="9144000" cy="6858000" type="screen4x3"/>
   <p:notesSz cx="6858000" cy="9144000"/>
@@ -293,7 +293,7 @@
           <a:p>
             <a:fld id="{5113504E-0C99-2340-A5F6-DD6E1A87C372}" type="datetimeFigureOut">
               <a:rPr lang="pl-PL" smtClean="0"/>
-              <a:t>24.06.2024</a:t>
+              <a:t>10.10.2024</a:t>
             </a:fld>
             <a:endParaRPr lang="pl-PL"/>
           </a:p>
@@ -459,7 +459,7 @@
           <a:p>
             <a:fld id="{F78C933E-44E9-2D43-91B0-0D2BEEFA7EB9}" type="datetimeFigureOut">
               <a:rPr lang="pl-PL" smtClean="0"/>
-              <a:t>24.06.2024</a:t>
+              <a:t>10.10.2024</a:t>
             </a:fld>
             <a:endParaRPr lang="pl-PL"/>
           </a:p>
@@ -1900,6 +1900,10 @@
           <a:lstStyle/>
           <a:p>
             <a:pPr rtl="0"/>
+            <a:r>
+              <a:rPr lang="pl-PL" dirty="0"/>
+              <a:t>Najprostsze aplikacje Java są jednowątkowe. Program wywołuje metody w sposób synchroniczny, czekając na wynik. Po zakończeniu wykonywania metody, następuje powrót zgodnie z aktualną wartością wskaźnika stosu i program jest kontynuowany. • Aplikacje działające pod kontrolą systemu Android składają się z wielu niezależnych lecz często pozostające w kooperacji aktywności. Każda aktywność działa w ramach swojego wątku, a jedna z nich określana jest mianem aktywności głównej. Android wykorzystuje metodę startActivity(Intent) by uruchomić aktywność, która staje się aktywna i potencjalnie widoczna dla użytkownika, jednakże obiekt wywołujący cały czas znajduje się w obrębie swojego wątku. Następny przykład prezentuje proces komunikacji wewnątrz-procesowej wykorzystywanej w systemie Android w postaci aplikacji składającej się z wielu współpracujących aktywności. Prezentuje sposób wywołania, dostarczania danych oraz pobierania rezultatów działania. </a:t>
+            </a:r>
             <a:endParaRPr lang="pl-PL" dirty="0">
               <a:effectLst/>
             </a:endParaRPr>
@@ -1932,7 +1936,7 @@
     </p:spTree>
     <p:extLst>
       <p:ext uri="{BB962C8B-B14F-4D97-AF65-F5344CB8AC3E}">
-        <p14:creationId xmlns:p14="http://schemas.microsoft.com/office/powerpoint/2010/main" val="2539041018"/>
+        <p14:creationId xmlns:p14="http://schemas.microsoft.com/office/powerpoint/2010/main" val="4128737339"/>
       </p:ext>
     </p:extLst>
   </p:cSld>
@@ -1987,10 +1991,6 @@
           <a:lstStyle/>
           <a:p>
             <a:pPr rtl="0"/>
-            <a:r>
-              <a:rPr lang="pl-PL" dirty="0"/>
-              <a:t>Najprostsze aplikacje Java są jednowątkowe. Program wywołuje metody w sposób synchroniczny, czekając na wynik. Po zakończeniu wykonywania metody, następuje powrót zgodnie z aktualną wartością wskaźnika stosu i program jest kontynuowany. • Aplikacje działające pod kontrolą systemu Android składają się z wielu niezależnych lecz często pozostające w kooperacji aktywności. Każda aktywność działa w ramach swojego wątku, a jedna z nich określana jest mianem aktywności głównej. Android wykorzystuje metodę startActivity(Intent) by uruchomić aktywność, która staje się aktywna i potencjalnie widoczna dla użytkownika, jednakże obiekt wywołujący cały czas znajduje się w obrębie swojego wątku. Następny przykład prezentuje proces komunikacji wewnątrz-procesowej wykorzystywanej w systemie Android w postaci aplikacji składającej się z wielu współpracujących aktywności. Prezentuje sposób wywołania, dostarczania danych oraz pobierania rezultatów działania. </a:t>
-            </a:r>
             <a:endParaRPr lang="pl-PL" dirty="0">
               <a:effectLst/>
             </a:endParaRPr>
@@ -2023,7 +2023,7 @@
     </p:spTree>
     <p:extLst>
       <p:ext uri="{BB962C8B-B14F-4D97-AF65-F5344CB8AC3E}">
-        <p14:creationId xmlns:p14="http://schemas.microsoft.com/office/powerpoint/2010/main" val="4128737339"/>
+        <p14:creationId xmlns:p14="http://schemas.microsoft.com/office/powerpoint/2010/main" val="2539041018"/>
       </p:ext>
     </p:extLst>
   </p:cSld>
@@ -2821,7 +2821,7 @@
           <a:p>
             <a:fld id="{91017B01-0C30-B241-B19F-621BE4770608}" type="datetimeFigureOut">
               <a:rPr lang="pl-PL" smtClean="0"/>
-              <a:t>24.06.2024</a:t>
+              <a:t>10.10.2024</a:t>
             </a:fld>
             <a:endParaRPr lang="pl-PL"/>
           </a:p>
@@ -2990,7 +2990,7 @@
           <a:p>
             <a:fld id="{91017B01-0C30-B241-B19F-621BE4770608}" type="datetimeFigureOut">
               <a:rPr lang="pl-PL" smtClean="0"/>
-              <a:t>24.06.2024</a:t>
+              <a:t>10.10.2024</a:t>
             </a:fld>
             <a:endParaRPr lang="pl-PL"/>
           </a:p>
@@ -3169,7 +3169,7 @@
           <a:p>
             <a:fld id="{91017B01-0C30-B241-B19F-621BE4770608}" type="datetimeFigureOut">
               <a:rPr lang="pl-PL" smtClean="0"/>
-              <a:t>24.06.2024</a:t>
+              <a:t>10.10.2024</a:t>
             </a:fld>
             <a:endParaRPr lang="pl-PL"/>
           </a:p>
@@ -3338,7 +3338,7 @@
           <a:p>
             <a:fld id="{91017B01-0C30-B241-B19F-621BE4770608}" type="datetimeFigureOut">
               <a:rPr lang="pl-PL" smtClean="0"/>
-              <a:t>24.06.2024</a:t>
+              <a:t>10.10.2024</a:t>
             </a:fld>
             <a:endParaRPr lang="pl-PL"/>
           </a:p>
@@ -3584,7 +3584,7 @@
           <a:p>
             <a:fld id="{91017B01-0C30-B241-B19F-621BE4770608}" type="datetimeFigureOut">
               <a:rPr lang="pl-PL" smtClean="0"/>
-              <a:t>24.06.2024</a:t>
+              <a:t>10.10.2024</a:t>
             </a:fld>
             <a:endParaRPr lang="pl-PL"/>
           </a:p>
@@ -3870,7 +3870,7 @@
           <a:p>
             <a:fld id="{91017B01-0C30-B241-B19F-621BE4770608}" type="datetimeFigureOut">
               <a:rPr lang="pl-PL" smtClean="0"/>
-              <a:t>24.06.2024</a:t>
+              <a:t>10.10.2024</a:t>
             </a:fld>
             <a:endParaRPr lang="pl-PL"/>
           </a:p>
@@ -4290,7 +4290,7 @@
           <a:p>
             <a:fld id="{91017B01-0C30-B241-B19F-621BE4770608}" type="datetimeFigureOut">
               <a:rPr lang="pl-PL" smtClean="0"/>
-              <a:t>24.06.2024</a:t>
+              <a:t>10.10.2024</a:t>
             </a:fld>
             <a:endParaRPr lang="pl-PL"/>
           </a:p>
@@ -4408,7 +4408,7 @@
           <a:p>
             <a:fld id="{91017B01-0C30-B241-B19F-621BE4770608}" type="datetimeFigureOut">
               <a:rPr lang="pl-PL" smtClean="0"/>
-              <a:t>24.06.2024</a:t>
+              <a:t>10.10.2024</a:t>
             </a:fld>
             <a:endParaRPr lang="pl-PL"/>
           </a:p>
@@ -4504,7 +4504,7 @@
           <a:p>
             <a:fld id="{91017B01-0C30-B241-B19F-621BE4770608}" type="datetimeFigureOut">
               <a:rPr lang="pl-PL" smtClean="0"/>
-              <a:t>24.06.2024</a:t>
+              <a:t>10.10.2024</a:t>
             </a:fld>
             <a:endParaRPr lang="pl-PL"/>
           </a:p>
@@ -4781,7 +4781,7 @@
           <a:p>
             <a:fld id="{91017B01-0C30-B241-B19F-621BE4770608}" type="datetimeFigureOut">
               <a:rPr lang="pl-PL" smtClean="0"/>
-              <a:t>24.06.2024</a:t>
+              <a:t>10.10.2024</a:t>
             </a:fld>
             <a:endParaRPr lang="pl-PL"/>
           </a:p>
@@ -5037,7 +5037,7 @@
           <a:p>
             <a:fld id="{91017B01-0C30-B241-B19F-621BE4770608}" type="datetimeFigureOut">
               <a:rPr lang="pl-PL" smtClean="0"/>
-              <a:t>24.06.2024</a:t>
+              <a:t>10.10.2024</a:t>
             </a:fld>
             <a:endParaRPr lang="pl-PL"/>
           </a:p>
@@ -5249,7 +5249,7 @@
           <a:p>
             <a:fld id="{91017B01-0C30-B241-B19F-621BE4770608}" type="datetimeFigureOut">
               <a:rPr lang="pl-PL" smtClean="0"/>
-              <a:t>24.06.2024</a:t>
+              <a:t>10.10.2024</a:t>
             </a:fld>
             <a:endParaRPr lang="pl-PL"/>
           </a:p>
@@ -10114,46 +10114,10 @@
       </p:grpSpPr>
       <p:sp>
         <p:nvSpPr>
-          <p:cNvPr id="2" name="Rectangle 1"/>
-          <p:cNvSpPr/>
-          <p:nvPr/>
-        </p:nvSpPr>
-        <p:spPr>
-          <a:xfrm>
-            <a:off x="1979712" y="44624"/>
-            <a:ext cx="6696744" cy="830997"/>
-          </a:xfrm>
-          <a:prstGeom prst="rect">
-            <a:avLst/>
-          </a:prstGeom>
-        </p:spPr>
-        <p:txBody>
-          <a:bodyPr wrap="square">
-            <a:spAutoFit/>
-          </a:bodyPr>
-          <a:lstStyle/>
-          <a:p>
-            <a:pPr algn="ctr"/>
-            <a:r>
-              <a:rPr lang="pl-PL" sz="2400" dirty="0">
-                <a:solidFill>
-                  <a:schemeClr val="bg1"/>
-                </a:solidFill>
-                <a:latin typeface="Verdana" panose="020B0604030504040204" pitchFamily="34" charset="0"/>
-                <a:ea typeface="Verdana" panose="020B0604030504040204" pitchFamily="34" charset="0"/>
-                <a:cs typeface="Verdana" panose="020B0604030504040204" pitchFamily="34" charset="0"/>
-              </a:rPr>
-              <a:t>Mechanizm Komunikacji Międzyprocesowej - Intent</a:t>
-            </a:r>
-          </a:p>
-        </p:txBody>
-      </p:sp>
-      <p:sp>
-        <p:nvSpPr>
           <p:cNvPr id="3" name="Prostokąt 2">
             <a:extLst>
               <a:ext uri="{FF2B5EF4-FFF2-40B4-BE49-F238E27FC236}">
-                <a16:creationId xmlns:a16="http://schemas.microsoft.com/office/drawing/2014/main" id="{1B2DAFFF-649A-6A3A-CDA4-94BE3F02F0BD}"/>
+                <a16:creationId xmlns:a16="http://schemas.microsoft.com/office/drawing/2014/main" id="{B1A6751D-1697-75F4-FDAD-B26C06CBC1F8}"/>
               </a:ext>
             </a:extLst>
           </p:cNvPr>
@@ -10200,40 +10164,356 @@
           </a:p>
         </p:txBody>
       </p:sp>
-      <p:pic>
-        <p:nvPicPr>
-          <p:cNvPr id="6" name="Obraz 5">
-            <a:extLst>
-              <a:ext uri="{FF2B5EF4-FFF2-40B4-BE49-F238E27FC236}">
-                <a16:creationId xmlns:a16="http://schemas.microsoft.com/office/drawing/2014/main" id="{DC79CD27-1916-99D0-EA72-83AEA89F5B10}"/>
-              </a:ext>
-            </a:extLst>
-          </p:cNvPr>
-          <p:cNvPicPr>
-            <a:picLocks noChangeAspect="1"/>
-          </p:cNvPicPr>
+      <p:sp>
+        <p:nvSpPr>
+          <p:cNvPr id="2" name="Rectangle 1"/>
+          <p:cNvSpPr/>
           <p:nvPr/>
-        </p:nvPicPr>
-        <p:blipFill>
-          <a:blip r:embed="rId4"/>
-          <a:stretch>
-            <a:fillRect/>
-          </a:stretch>
-        </p:blipFill>
+        </p:nvSpPr>
         <p:spPr>
           <a:xfrm>
-            <a:off x="1002769" y="836712"/>
-            <a:ext cx="8094725" cy="5956711"/>
+            <a:off x="1979712" y="188640"/>
+            <a:ext cx="6696744" cy="492443"/>
           </a:xfrm>
           <a:prstGeom prst="rect">
             <a:avLst/>
           </a:prstGeom>
         </p:spPr>
-      </p:pic>
+        <p:txBody>
+          <a:bodyPr wrap="square">
+            <a:spAutoFit/>
+          </a:bodyPr>
+          <a:lstStyle/>
+          <a:p>
+            <a:pPr algn="ctr"/>
+            <a:r>
+              <a:rPr lang="pl-PL" sz="2600" dirty="0">
+                <a:solidFill>
+                  <a:schemeClr val="bg1"/>
+                </a:solidFill>
+                <a:latin typeface="Verdana" panose="020B0604030504040204" pitchFamily="34" charset="0"/>
+                <a:ea typeface="Verdana" panose="020B0604030504040204" pitchFamily="34" charset="0"/>
+                <a:cs typeface="Verdana" panose="020B0604030504040204" pitchFamily="34" charset="0"/>
+              </a:rPr>
+              <a:t>Mechanizm Intencji</a:t>
+            </a:r>
+          </a:p>
+        </p:txBody>
+      </p:sp>
+      <p:sp>
+        <p:nvSpPr>
+          <p:cNvPr id="5" name="pole tekstowe 4">
+            <a:extLst>
+              <a:ext uri="{FF2B5EF4-FFF2-40B4-BE49-F238E27FC236}">
+                <a16:creationId xmlns:a16="http://schemas.microsoft.com/office/drawing/2014/main" id="{2D05CE3F-37A8-456E-B2FD-719E8893838C}"/>
+              </a:ext>
+            </a:extLst>
+          </p:cNvPr>
+          <p:cNvSpPr txBox="1"/>
+          <p:nvPr/>
+        </p:nvSpPr>
+        <p:spPr>
+          <a:xfrm>
+            <a:off x="899592" y="688015"/>
+            <a:ext cx="8172400" cy="6273512"/>
+          </a:xfrm>
+          <a:prstGeom prst="rect">
+            <a:avLst/>
+          </a:prstGeom>
+          <a:noFill/>
+        </p:spPr>
+        <p:txBody>
+          <a:bodyPr wrap="square" rtlCol="0">
+            <a:spAutoFit/>
+          </a:bodyPr>
+          <a:lstStyle/>
+          <a:p>
+            <a:pPr marL="285750" indent="-285750">
+              <a:lnSpc>
+                <a:spcPct val="150000"/>
+              </a:lnSpc>
+              <a:buFont typeface="Courier New" panose="02070309020205020404" pitchFamily="49" charset="0"/>
+              <a:buChar char="o"/>
+            </a:pPr>
+            <a:r>
+              <a:rPr lang="pl-PL" sz="1800" dirty="0">
+                <a:solidFill>
+                  <a:schemeClr val="bg2"/>
+                </a:solidFill>
+                <a:latin typeface="Arial" panose="020B0604020202020204" pitchFamily="34" charset="0"/>
+                <a:ea typeface="Source Code Pro" panose="020B0509030403020204" pitchFamily="49" charset="0"/>
+                <a:cs typeface="Arial" panose="020B0604020202020204" pitchFamily="34" charset="0"/>
+              </a:rPr>
+              <a:t>Uruchamianie aktywności jest jednym z głównych zadań intencji</a:t>
+            </a:r>
+          </a:p>
+          <a:p>
+            <a:pPr marL="285750" indent="-285750">
+              <a:lnSpc>
+                <a:spcPct val="150000"/>
+              </a:lnSpc>
+              <a:buFont typeface="Courier New" panose="02070309020205020404" pitchFamily="49" charset="0"/>
+              <a:buChar char="o"/>
+            </a:pPr>
+            <a:r>
+              <a:rPr lang="pl-PL" sz="1800" dirty="0">
+                <a:solidFill>
+                  <a:schemeClr val="bg2"/>
+                </a:solidFill>
+                <a:latin typeface="Arial" panose="020B0604020202020204" pitchFamily="34" charset="0"/>
+                <a:ea typeface="Source Code Pro" panose="020B0509030403020204" pitchFamily="49" charset="0"/>
+                <a:cs typeface="Arial" panose="020B0604020202020204" pitchFamily="34" charset="0"/>
+              </a:rPr>
+              <a:t>Intencje uruchomieniowe zostały podzielone na dwa typy</a:t>
+            </a:r>
+          </a:p>
+          <a:p>
+            <a:pPr marL="742950" lvl="1" indent="-285750">
+              <a:lnSpc>
+                <a:spcPct val="150000"/>
+              </a:lnSpc>
+              <a:buFont typeface="Courier New" panose="02070309020205020404" pitchFamily="49" charset="0"/>
+              <a:buChar char="o"/>
+            </a:pPr>
+            <a:r>
+              <a:rPr lang="pl-PL" sz="1800" dirty="0">
+                <a:solidFill>
+                  <a:schemeClr val="bg2"/>
+                </a:solidFill>
+                <a:latin typeface="Arial" panose="020B0604020202020204" pitchFamily="34" charset="0"/>
+                <a:ea typeface="Source Code Pro" panose="020B0509030403020204" pitchFamily="49" charset="0"/>
+                <a:cs typeface="Arial" panose="020B0604020202020204" pitchFamily="34" charset="0"/>
+              </a:rPr>
+              <a:t>Jawne – z jawnie określonym obiektem który chcemy otworzyć</a:t>
+            </a:r>
+          </a:p>
+          <a:p>
+            <a:pPr marL="1200150" lvl="2" indent="-285750">
+              <a:lnSpc>
+                <a:spcPct val="150000"/>
+              </a:lnSpc>
+              <a:buFont typeface="Courier New" panose="02070309020205020404" pitchFamily="49" charset="0"/>
+              <a:buChar char="o"/>
+            </a:pPr>
+            <a:r>
+              <a:rPr lang="pl-PL" sz="1800" dirty="0">
+                <a:solidFill>
+                  <a:schemeClr val="bg2"/>
+                </a:solidFill>
+                <a:latin typeface="Arial" panose="020B0604020202020204" pitchFamily="34" charset="0"/>
+                <a:ea typeface="Source Code Pro" panose="020B0509030403020204" pitchFamily="49" charset="0"/>
+                <a:cs typeface="Arial" panose="020B0604020202020204" pitchFamily="34" charset="0"/>
+              </a:rPr>
+              <a:t>Intencja uruchamiająca aktywność </a:t>
+            </a:r>
+            <a:r>
+              <a:rPr lang="pl-PL" sz="1800" dirty="0">
+                <a:solidFill>
+                  <a:schemeClr val="bg2"/>
+                </a:solidFill>
+                <a:latin typeface="Source Code Pro" panose="020B0509030403020204" pitchFamily="49" charset="0"/>
+                <a:ea typeface="Source Code Pro" panose="020B0509030403020204" pitchFamily="49" charset="0"/>
+                <a:cs typeface="Arial" panose="020B0604020202020204" pitchFamily="34" charset="0"/>
+              </a:rPr>
+              <a:t>mojaAktywność</a:t>
+            </a:r>
+          </a:p>
+          <a:p>
+            <a:pPr lvl="1">
+              <a:lnSpc>
+                <a:spcPct val="150000"/>
+              </a:lnSpc>
+            </a:pPr>
+            <a:r>
+              <a:rPr lang="pl-PL" sz="1800" dirty="0">
+                <a:solidFill>
+                  <a:schemeClr val="bg2"/>
+                </a:solidFill>
+                <a:latin typeface="Source Code Pro" panose="020B0509030403020204" pitchFamily="49" charset="0"/>
+                <a:ea typeface="Source Code Pro" panose="020B0509030403020204" pitchFamily="49" charset="0"/>
+                <a:cs typeface="Arial" panose="020B0604020202020204" pitchFamily="34" charset="0"/>
+              </a:rPr>
+              <a:t>  	  Intent intent = new Intent (context,           	 			     mojaAktywność.class);</a:t>
+            </a:r>
+          </a:p>
+          <a:p>
+            <a:pPr lvl="1">
+              <a:lnSpc>
+                <a:spcPct val="150000"/>
+              </a:lnSpc>
+            </a:pPr>
+            <a:r>
+              <a:rPr lang="pl-PL" sz="1800" dirty="0">
+                <a:solidFill>
+                  <a:schemeClr val="bg2"/>
+                </a:solidFill>
+                <a:latin typeface="Source Code Pro" panose="020B0509030403020204" pitchFamily="49" charset="0"/>
+                <a:ea typeface="Source Code Pro" panose="020B0509030403020204" pitchFamily="49" charset="0"/>
+                <a:cs typeface="Arial" panose="020B0604020202020204" pitchFamily="34" charset="0"/>
+              </a:rPr>
+              <a:t>	  startActivity(intent);</a:t>
+            </a:r>
+          </a:p>
+          <a:p>
+            <a:pPr marL="742950" lvl="1" indent="-285750">
+              <a:lnSpc>
+                <a:spcPct val="150000"/>
+              </a:lnSpc>
+              <a:buFont typeface="Courier New" panose="02070309020205020404" pitchFamily="49" charset="0"/>
+              <a:buChar char="o"/>
+            </a:pPr>
+            <a:r>
+              <a:rPr lang="pl-PL" sz="1800" dirty="0">
+                <a:solidFill>
+                  <a:schemeClr val="bg2"/>
+                </a:solidFill>
+                <a:latin typeface="Arial" panose="020B0604020202020204" pitchFamily="34" charset="0"/>
+                <a:ea typeface="Source Code Pro" panose="020B0509030403020204" pitchFamily="49" charset="0"/>
+                <a:cs typeface="Arial" panose="020B0604020202020204" pitchFamily="34" charset="0"/>
+              </a:rPr>
+              <a:t>Domniemane – intencje zawierające informacje o tym co chcemy zrobić</a:t>
+            </a:r>
+          </a:p>
+          <a:p>
+            <a:pPr marL="1200150" lvl="2" indent="-285750">
+              <a:lnSpc>
+                <a:spcPct val="150000"/>
+              </a:lnSpc>
+              <a:buFont typeface="Courier New" panose="02070309020205020404" pitchFamily="49" charset="0"/>
+              <a:buChar char="o"/>
+            </a:pPr>
+            <a:r>
+              <a:rPr lang="pl-PL" sz="1800" dirty="0">
+                <a:solidFill>
+                  <a:schemeClr val="bg2"/>
+                </a:solidFill>
+                <a:latin typeface="Arial" panose="020B0604020202020204" pitchFamily="34" charset="0"/>
+                <a:ea typeface="Source Code Pro" panose="020B0509030403020204" pitchFamily="49" charset="0"/>
+                <a:cs typeface="Arial" panose="020B0604020202020204" pitchFamily="34" charset="0"/>
+              </a:rPr>
+              <a:t>Nie podajemy konkretnych klas które mają zadanie realizować</a:t>
+            </a:r>
+          </a:p>
+          <a:p>
+            <a:pPr marL="1200150" lvl="2" indent="-285750">
+              <a:lnSpc>
+                <a:spcPct val="150000"/>
+              </a:lnSpc>
+              <a:buFont typeface="Courier New" panose="02070309020205020404" pitchFamily="49" charset="0"/>
+              <a:buChar char="o"/>
+            </a:pPr>
+            <a:r>
+              <a:rPr lang="pl-PL" sz="1800" dirty="0">
+                <a:solidFill>
+                  <a:schemeClr val="bg2"/>
+                </a:solidFill>
+                <a:latin typeface="Arial" panose="020B0604020202020204" pitchFamily="34" charset="0"/>
+                <a:ea typeface="Source Code Pro" panose="020B0509030403020204" pitchFamily="49" charset="0"/>
+                <a:cs typeface="Arial" panose="020B0604020202020204" pitchFamily="34" charset="0"/>
+              </a:rPr>
+              <a:t>System decyduje która aktywność zostaje uruchomiona</a:t>
+            </a:r>
+          </a:p>
+          <a:p>
+            <a:pPr marL="1200150" lvl="2" indent="-285750">
+              <a:lnSpc>
+                <a:spcPct val="150000"/>
+              </a:lnSpc>
+              <a:buFont typeface="Courier New" panose="02070309020205020404" pitchFamily="49" charset="0"/>
+              <a:buChar char="o"/>
+            </a:pPr>
+            <a:r>
+              <a:rPr lang="pl-PL" sz="1800" dirty="0">
+                <a:solidFill>
+                  <a:schemeClr val="bg2"/>
+                </a:solidFill>
+                <a:latin typeface="Arial" panose="020B0604020202020204" pitchFamily="34" charset="0"/>
+                <a:ea typeface="Source Code Pro" panose="020B0509030403020204" pitchFamily="49" charset="0"/>
+                <a:cs typeface="Arial" panose="020B0604020202020204" pitchFamily="34" charset="0"/>
+              </a:rPr>
+              <a:t>Decyzje podejmuje przy pomocy Filtrów Intencji</a:t>
+            </a:r>
+          </a:p>
+          <a:p>
+            <a:pPr marL="1200150" lvl="2" indent="-285750">
+              <a:lnSpc>
+                <a:spcPct val="150000"/>
+              </a:lnSpc>
+              <a:buFont typeface="Courier New" panose="02070309020205020404" pitchFamily="49" charset="0"/>
+              <a:buChar char="o"/>
+            </a:pPr>
+            <a:r>
+              <a:rPr lang="pl-PL" sz="1800" dirty="0">
+                <a:solidFill>
+                  <a:schemeClr val="bg2"/>
+                </a:solidFill>
+                <a:latin typeface="Arial" panose="020B0604020202020204" pitchFamily="34" charset="0"/>
+                <a:ea typeface="Source Code Pro" panose="020B0509030403020204" pitchFamily="49" charset="0"/>
+                <a:cs typeface="Arial" panose="020B0604020202020204" pitchFamily="34" charset="0"/>
+              </a:rPr>
+              <a:t>Intencja pokazująca dane z adresu URL</a:t>
+            </a:r>
+          </a:p>
+          <a:p>
+            <a:pPr lvl="2">
+              <a:lnSpc>
+                <a:spcPct val="150000"/>
+              </a:lnSpc>
+            </a:pPr>
+            <a:r>
+              <a:rPr lang="pl-PL" sz="1800" dirty="0">
+                <a:solidFill>
+                  <a:schemeClr val="bg2"/>
+                </a:solidFill>
+                <a:latin typeface="Arial" panose="020B0604020202020204" pitchFamily="34" charset="0"/>
+                <a:ea typeface="Source Code Pro" panose="020B0509030403020204" pitchFamily="49" charset="0"/>
+                <a:cs typeface="Arial" panose="020B0604020202020204" pitchFamily="34" charset="0"/>
+              </a:rPr>
+              <a:t>    </a:t>
+            </a:r>
+            <a:r>
+              <a:rPr lang="pl-PL" sz="1800" dirty="0">
+                <a:solidFill>
+                  <a:schemeClr val="bg2"/>
+                </a:solidFill>
+                <a:latin typeface="Source Code Pro" panose="020B0509030403020204" pitchFamily="49" charset="0"/>
+                <a:ea typeface="Source Code Pro" panose="020B0509030403020204" pitchFamily="49" charset="0"/>
+                <a:cs typeface="Arial" panose="020B0604020202020204" pitchFamily="34" charset="0"/>
+              </a:rPr>
+              <a:t>Intent intent = new Intent (Intent.ACTION_VIEW,       		    Uri.parse(„www.uwr.edu.pl”));</a:t>
+            </a:r>
+            <a:endParaRPr lang="pl-PL" sz="1800" dirty="0">
+              <a:solidFill>
+                <a:schemeClr val="bg2"/>
+              </a:solidFill>
+              <a:latin typeface="Arial" panose="020B0604020202020204" pitchFamily="34" charset="0"/>
+              <a:ea typeface="Source Code Pro" panose="020B0509030403020204" pitchFamily="49" charset="0"/>
+              <a:cs typeface="Arial" panose="020B0604020202020204" pitchFamily="34" charset="0"/>
+            </a:endParaRPr>
+          </a:p>
+          <a:p>
+            <a:pPr marL="742950" lvl="1" indent="-285750">
+              <a:lnSpc>
+                <a:spcPct val="150000"/>
+              </a:lnSpc>
+              <a:buFont typeface="Courier New" panose="02070309020205020404" pitchFamily="49" charset="0"/>
+              <a:buChar char="o"/>
+            </a:pPr>
+            <a:endParaRPr lang="pl-PL" sz="1800" dirty="0">
+              <a:solidFill>
+                <a:schemeClr val="bg2"/>
+              </a:solidFill>
+              <a:latin typeface="Arial" panose="020B0604020202020204" pitchFamily="34" charset="0"/>
+              <a:ea typeface="Source Code Pro" panose="020B0509030403020204" pitchFamily="49" charset="0"/>
+              <a:cs typeface="Arial" panose="020B0604020202020204" pitchFamily="34" charset="0"/>
+            </a:endParaRPr>
+          </a:p>
+        </p:txBody>
+      </p:sp>
     </p:spTree>
     <p:extLst>
       <p:ext uri="{BB962C8B-B14F-4D97-AF65-F5344CB8AC3E}">
-        <p14:creationId xmlns:p14="http://schemas.microsoft.com/office/powerpoint/2010/main" val="184476136"/>
+        <p14:creationId xmlns:p14="http://schemas.microsoft.com/office/powerpoint/2010/main" val="1666748105"/>
       </p:ext>
     </p:extLst>
   </p:cSld>
@@ -10274,10 +10554,46 @@
       </p:grpSpPr>
       <p:sp>
         <p:nvSpPr>
+          <p:cNvPr id="2" name="Rectangle 1"/>
+          <p:cNvSpPr/>
+          <p:nvPr/>
+        </p:nvSpPr>
+        <p:spPr>
+          <a:xfrm>
+            <a:off x="1979712" y="44624"/>
+            <a:ext cx="6696744" cy="830997"/>
+          </a:xfrm>
+          <a:prstGeom prst="rect">
+            <a:avLst/>
+          </a:prstGeom>
+        </p:spPr>
+        <p:txBody>
+          <a:bodyPr wrap="square">
+            <a:spAutoFit/>
+          </a:bodyPr>
+          <a:lstStyle/>
+          <a:p>
+            <a:pPr algn="ctr"/>
+            <a:r>
+              <a:rPr lang="pl-PL" sz="2400" dirty="0">
+                <a:solidFill>
+                  <a:schemeClr val="bg1"/>
+                </a:solidFill>
+                <a:latin typeface="Verdana" panose="020B0604030504040204" pitchFamily="34" charset="0"/>
+                <a:ea typeface="Verdana" panose="020B0604030504040204" pitchFamily="34" charset="0"/>
+                <a:cs typeface="Verdana" panose="020B0604030504040204" pitchFamily="34" charset="0"/>
+              </a:rPr>
+              <a:t>Mechanizm Komunikacji Międzyprocesowej - Intent</a:t>
+            </a:r>
+          </a:p>
+        </p:txBody>
+      </p:sp>
+      <p:sp>
+        <p:nvSpPr>
           <p:cNvPr id="3" name="Prostokąt 2">
             <a:extLst>
               <a:ext uri="{FF2B5EF4-FFF2-40B4-BE49-F238E27FC236}">
-                <a16:creationId xmlns:a16="http://schemas.microsoft.com/office/drawing/2014/main" id="{B1A6751D-1697-75F4-FDAD-B26C06CBC1F8}"/>
+                <a16:creationId xmlns:a16="http://schemas.microsoft.com/office/drawing/2014/main" id="{1B2DAFFF-649A-6A3A-CDA4-94BE3F02F0BD}"/>
               </a:ext>
             </a:extLst>
           </p:cNvPr>
@@ -10324,356 +10640,40 @@
           </a:p>
         </p:txBody>
       </p:sp>
-      <p:sp>
-        <p:nvSpPr>
-          <p:cNvPr id="2" name="Rectangle 1"/>
-          <p:cNvSpPr/>
+      <p:pic>
+        <p:nvPicPr>
+          <p:cNvPr id="6" name="Obraz 5">
+            <a:extLst>
+              <a:ext uri="{FF2B5EF4-FFF2-40B4-BE49-F238E27FC236}">
+                <a16:creationId xmlns:a16="http://schemas.microsoft.com/office/drawing/2014/main" id="{DC79CD27-1916-99D0-EA72-83AEA89F5B10}"/>
+              </a:ext>
+            </a:extLst>
+          </p:cNvPr>
+          <p:cNvPicPr>
+            <a:picLocks noChangeAspect="1"/>
+          </p:cNvPicPr>
           <p:nvPr/>
-        </p:nvSpPr>
+        </p:nvPicPr>
+        <p:blipFill>
+          <a:blip r:embed="rId4"/>
+          <a:stretch>
+            <a:fillRect/>
+          </a:stretch>
+        </p:blipFill>
         <p:spPr>
           <a:xfrm>
-            <a:off x="1979712" y="188640"/>
-            <a:ext cx="6696744" cy="492443"/>
+            <a:off x="1002769" y="836712"/>
+            <a:ext cx="8094725" cy="5956711"/>
           </a:xfrm>
           <a:prstGeom prst="rect">
             <a:avLst/>
           </a:prstGeom>
         </p:spPr>
-        <p:txBody>
-          <a:bodyPr wrap="square">
-            <a:spAutoFit/>
-          </a:bodyPr>
-          <a:lstStyle/>
-          <a:p>
-            <a:pPr algn="ctr"/>
-            <a:r>
-              <a:rPr lang="pl-PL" sz="2600" dirty="0">
-                <a:solidFill>
-                  <a:schemeClr val="bg1"/>
-                </a:solidFill>
-                <a:latin typeface="Verdana" panose="020B0604030504040204" pitchFamily="34" charset="0"/>
-                <a:ea typeface="Verdana" panose="020B0604030504040204" pitchFamily="34" charset="0"/>
-                <a:cs typeface="Verdana" panose="020B0604030504040204" pitchFamily="34" charset="0"/>
-              </a:rPr>
-              <a:t>Mechanizm Intencji</a:t>
-            </a:r>
-          </a:p>
-        </p:txBody>
-      </p:sp>
-      <p:sp>
-        <p:nvSpPr>
-          <p:cNvPr id="5" name="pole tekstowe 4">
-            <a:extLst>
-              <a:ext uri="{FF2B5EF4-FFF2-40B4-BE49-F238E27FC236}">
-                <a16:creationId xmlns:a16="http://schemas.microsoft.com/office/drawing/2014/main" id="{2D05CE3F-37A8-456E-B2FD-719E8893838C}"/>
-              </a:ext>
-            </a:extLst>
-          </p:cNvPr>
-          <p:cNvSpPr txBox="1"/>
-          <p:nvPr/>
-        </p:nvSpPr>
-        <p:spPr>
-          <a:xfrm>
-            <a:off x="899592" y="688015"/>
-            <a:ext cx="8172400" cy="6273512"/>
-          </a:xfrm>
-          <a:prstGeom prst="rect">
-            <a:avLst/>
-          </a:prstGeom>
-          <a:noFill/>
-        </p:spPr>
-        <p:txBody>
-          <a:bodyPr wrap="square" rtlCol="0">
-            <a:spAutoFit/>
-          </a:bodyPr>
-          <a:lstStyle/>
-          <a:p>
-            <a:pPr marL="285750" indent="-285750">
-              <a:lnSpc>
-                <a:spcPct val="150000"/>
-              </a:lnSpc>
-              <a:buFont typeface="Courier New" panose="02070309020205020404" pitchFamily="49" charset="0"/>
-              <a:buChar char="o"/>
-            </a:pPr>
-            <a:r>
-              <a:rPr lang="pl-PL" sz="1800" dirty="0">
-                <a:solidFill>
-                  <a:schemeClr val="bg2"/>
-                </a:solidFill>
-                <a:latin typeface="Arial" panose="020B0604020202020204" pitchFamily="34" charset="0"/>
-                <a:ea typeface="Source Code Pro" panose="020B0509030403020204" pitchFamily="49" charset="0"/>
-                <a:cs typeface="Arial" panose="020B0604020202020204" pitchFamily="34" charset="0"/>
-              </a:rPr>
-              <a:t>Uruchamianie aktywności jest jednym z głównych zadań intencji</a:t>
-            </a:r>
-          </a:p>
-          <a:p>
-            <a:pPr marL="285750" indent="-285750">
-              <a:lnSpc>
-                <a:spcPct val="150000"/>
-              </a:lnSpc>
-              <a:buFont typeface="Courier New" panose="02070309020205020404" pitchFamily="49" charset="0"/>
-              <a:buChar char="o"/>
-            </a:pPr>
-            <a:r>
-              <a:rPr lang="pl-PL" sz="1800" dirty="0">
-                <a:solidFill>
-                  <a:schemeClr val="bg2"/>
-                </a:solidFill>
-                <a:latin typeface="Arial" panose="020B0604020202020204" pitchFamily="34" charset="0"/>
-                <a:ea typeface="Source Code Pro" panose="020B0509030403020204" pitchFamily="49" charset="0"/>
-                <a:cs typeface="Arial" panose="020B0604020202020204" pitchFamily="34" charset="0"/>
-              </a:rPr>
-              <a:t>Intencje uruchomieniowe zostały podzielone na dwa typy</a:t>
-            </a:r>
-          </a:p>
-          <a:p>
-            <a:pPr marL="742950" lvl="1" indent="-285750">
-              <a:lnSpc>
-                <a:spcPct val="150000"/>
-              </a:lnSpc>
-              <a:buFont typeface="Courier New" panose="02070309020205020404" pitchFamily="49" charset="0"/>
-              <a:buChar char="o"/>
-            </a:pPr>
-            <a:r>
-              <a:rPr lang="pl-PL" sz="1800" dirty="0">
-                <a:solidFill>
-                  <a:schemeClr val="bg2"/>
-                </a:solidFill>
-                <a:latin typeface="Arial" panose="020B0604020202020204" pitchFamily="34" charset="0"/>
-                <a:ea typeface="Source Code Pro" panose="020B0509030403020204" pitchFamily="49" charset="0"/>
-                <a:cs typeface="Arial" panose="020B0604020202020204" pitchFamily="34" charset="0"/>
-              </a:rPr>
-              <a:t>Jawne – z jawnie określonym obiektem który chcemy otworzyć</a:t>
-            </a:r>
-          </a:p>
-          <a:p>
-            <a:pPr marL="1200150" lvl="2" indent="-285750">
-              <a:lnSpc>
-                <a:spcPct val="150000"/>
-              </a:lnSpc>
-              <a:buFont typeface="Courier New" panose="02070309020205020404" pitchFamily="49" charset="0"/>
-              <a:buChar char="o"/>
-            </a:pPr>
-            <a:r>
-              <a:rPr lang="pl-PL" sz="1800" dirty="0">
-                <a:solidFill>
-                  <a:schemeClr val="bg2"/>
-                </a:solidFill>
-                <a:latin typeface="Arial" panose="020B0604020202020204" pitchFamily="34" charset="0"/>
-                <a:ea typeface="Source Code Pro" panose="020B0509030403020204" pitchFamily="49" charset="0"/>
-                <a:cs typeface="Arial" panose="020B0604020202020204" pitchFamily="34" charset="0"/>
-              </a:rPr>
-              <a:t>Intencja uruchamiająca aktywność </a:t>
-            </a:r>
-            <a:r>
-              <a:rPr lang="pl-PL" sz="1800" dirty="0">
-                <a:solidFill>
-                  <a:schemeClr val="bg2"/>
-                </a:solidFill>
-                <a:latin typeface="Source Code Pro" panose="020B0509030403020204" pitchFamily="49" charset="0"/>
-                <a:ea typeface="Source Code Pro" panose="020B0509030403020204" pitchFamily="49" charset="0"/>
-                <a:cs typeface="Arial" panose="020B0604020202020204" pitchFamily="34" charset="0"/>
-              </a:rPr>
-              <a:t>mojaAktywność</a:t>
-            </a:r>
-          </a:p>
-          <a:p>
-            <a:pPr lvl="1">
-              <a:lnSpc>
-                <a:spcPct val="150000"/>
-              </a:lnSpc>
-            </a:pPr>
-            <a:r>
-              <a:rPr lang="pl-PL" sz="1800" dirty="0">
-                <a:solidFill>
-                  <a:schemeClr val="bg2"/>
-                </a:solidFill>
-                <a:latin typeface="Source Code Pro" panose="020B0509030403020204" pitchFamily="49" charset="0"/>
-                <a:ea typeface="Source Code Pro" panose="020B0509030403020204" pitchFamily="49" charset="0"/>
-                <a:cs typeface="Arial" panose="020B0604020202020204" pitchFamily="34" charset="0"/>
-              </a:rPr>
-              <a:t>  	  Intent intent = new Intent (context,           	 			     mojaAktywność.class);</a:t>
-            </a:r>
-          </a:p>
-          <a:p>
-            <a:pPr lvl="1">
-              <a:lnSpc>
-                <a:spcPct val="150000"/>
-              </a:lnSpc>
-            </a:pPr>
-            <a:r>
-              <a:rPr lang="pl-PL" sz="1800" dirty="0">
-                <a:solidFill>
-                  <a:schemeClr val="bg2"/>
-                </a:solidFill>
-                <a:latin typeface="Source Code Pro" panose="020B0509030403020204" pitchFamily="49" charset="0"/>
-                <a:ea typeface="Source Code Pro" panose="020B0509030403020204" pitchFamily="49" charset="0"/>
-                <a:cs typeface="Arial" panose="020B0604020202020204" pitchFamily="34" charset="0"/>
-              </a:rPr>
-              <a:t>	  startActivity(intent);</a:t>
-            </a:r>
-          </a:p>
-          <a:p>
-            <a:pPr marL="742950" lvl="1" indent="-285750">
-              <a:lnSpc>
-                <a:spcPct val="150000"/>
-              </a:lnSpc>
-              <a:buFont typeface="Courier New" panose="02070309020205020404" pitchFamily="49" charset="0"/>
-              <a:buChar char="o"/>
-            </a:pPr>
-            <a:r>
-              <a:rPr lang="pl-PL" sz="1800" dirty="0">
-                <a:solidFill>
-                  <a:schemeClr val="bg2"/>
-                </a:solidFill>
-                <a:latin typeface="Arial" panose="020B0604020202020204" pitchFamily="34" charset="0"/>
-                <a:ea typeface="Source Code Pro" panose="020B0509030403020204" pitchFamily="49" charset="0"/>
-                <a:cs typeface="Arial" panose="020B0604020202020204" pitchFamily="34" charset="0"/>
-              </a:rPr>
-              <a:t>Domniemane – intencje zawierające informacje o tym co chcemy zrobić</a:t>
-            </a:r>
-          </a:p>
-          <a:p>
-            <a:pPr marL="1200150" lvl="2" indent="-285750">
-              <a:lnSpc>
-                <a:spcPct val="150000"/>
-              </a:lnSpc>
-              <a:buFont typeface="Courier New" panose="02070309020205020404" pitchFamily="49" charset="0"/>
-              <a:buChar char="o"/>
-            </a:pPr>
-            <a:r>
-              <a:rPr lang="pl-PL" sz="1800" dirty="0">
-                <a:solidFill>
-                  <a:schemeClr val="bg2"/>
-                </a:solidFill>
-                <a:latin typeface="Arial" panose="020B0604020202020204" pitchFamily="34" charset="0"/>
-                <a:ea typeface="Source Code Pro" panose="020B0509030403020204" pitchFamily="49" charset="0"/>
-                <a:cs typeface="Arial" panose="020B0604020202020204" pitchFamily="34" charset="0"/>
-              </a:rPr>
-              <a:t>Nie podajemy konkretnych klas które mają zadanie realizować</a:t>
-            </a:r>
-          </a:p>
-          <a:p>
-            <a:pPr marL="1200150" lvl="2" indent="-285750">
-              <a:lnSpc>
-                <a:spcPct val="150000"/>
-              </a:lnSpc>
-              <a:buFont typeface="Courier New" panose="02070309020205020404" pitchFamily="49" charset="0"/>
-              <a:buChar char="o"/>
-            </a:pPr>
-            <a:r>
-              <a:rPr lang="pl-PL" sz="1800" dirty="0">
-                <a:solidFill>
-                  <a:schemeClr val="bg2"/>
-                </a:solidFill>
-                <a:latin typeface="Arial" panose="020B0604020202020204" pitchFamily="34" charset="0"/>
-                <a:ea typeface="Source Code Pro" panose="020B0509030403020204" pitchFamily="49" charset="0"/>
-                <a:cs typeface="Arial" panose="020B0604020202020204" pitchFamily="34" charset="0"/>
-              </a:rPr>
-              <a:t>System decyduje która aktywność zostaje uruchomiona</a:t>
-            </a:r>
-          </a:p>
-          <a:p>
-            <a:pPr marL="1200150" lvl="2" indent="-285750">
-              <a:lnSpc>
-                <a:spcPct val="150000"/>
-              </a:lnSpc>
-              <a:buFont typeface="Courier New" panose="02070309020205020404" pitchFamily="49" charset="0"/>
-              <a:buChar char="o"/>
-            </a:pPr>
-            <a:r>
-              <a:rPr lang="pl-PL" sz="1800" dirty="0">
-                <a:solidFill>
-                  <a:schemeClr val="bg2"/>
-                </a:solidFill>
-                <a:latin typeface="Arial" panose="020B0604020202020204" pitchFamily="34" charset="0"/>
-                <a:ea typeface="Source Code Pro" panose="020B0509030403020204" pitchFamily="49" charset="0"/>
-                <a:cs typeface="Arial" panose="020B0604020202020204" pitchFamily="34" charset="0"/>
-              </a:rPr>
-              <a:t>Decyzje podejmuje przy pomocy Filtrów Intencji</a:t>
-            </a:r>
-          </a:p>
-          <a:p>
-            <a:pPr marL="1200150" lvl="2" indent="-285750">
-              <a:lnSpc>
-                <a:spcPct val="150000"/>
-              </a:lnSpc>
-              <a:buFont typeface="Courier New" panose="02070309020205020404" pitchFamily="49" charset="0"/>
-              <a:buChar char="o"/>
-            </a:pPr>
-            <a:r>
-              <a:rPr lang="pl-PL" sz="1800" dirty="0">
-                <a:solidFill>
-                  <a:schemeClr val="bg2"/>
-                </a:solidFill>
-                <a:latin typeface="Arial" panose="020B0604020202020204" pitchFamily="34" charset="0"/>
-                <a:ea typeface="Source Code Pro" panose="020B0509030403020204" pitchFamily="49" charset="0"/>
-                <a:cs typeface="Arial" panose="020B0604020202020204" pitchFamily="34" charset="0"/>
-              </a:rPr>
-              <a:t>Intencja pokazująca dane z adresu URL</a:t>
-            </a:r>
-          </a:p>
-          <a:p>
-            <a:pPr lvl="2">
-              <a:lnSpc>
-                <a:spcPct val="150000"/>
-              </a:lnSpc>
-            </a:pPr>
-            <a:r>
-              <a:rPr lang="pl-PL" sz="1800" dirty="0">
-                <a:solidFill>
-                  <a:schemeClr val="bg2"/>
-                </a:solidFill>
-                <a:latin typeface="Arial" panose="020B0604020202020204" pitchFamily="34" charset="0"/>
-                <a:ea typeface="Source Code Pro" panose="020B0509030403020204" pitchFamily="49" charset="0"/>
-                <a:cs typeface="Arial" panose="020B0604020202020204" pitchFamily="34" charset="0"/>
-              </a:rPr>
-              <a:t>    </a:t>
-            </a:r>
-            <a:r>
-              <a:rPr lang="pl-PL" sz="1800" dirty="0">
-                <a:solidFill>
-                  <a:schemeClr val="bg2"/>
-                </a:solidFill>
-                <a:latin typeface="Source Code Pro" panose="020B0509030403020204" pitchFamily="49" charset="0"/>
-                <a:ea typeface="Source Code Pro" panose="020B0509030403020204" pitchFamily="49" charset="0"/>
-                <a:cs typeface="Arial" panose="020B0604020202020204" pitchFamily="34" charset="0"/>
-              </a:rPr>
-              <a:t>Intent intent = new Intent (Intent.ACTION_VIEW,       		    Uri.parse(„www.uwr.edu.pl”));</a:t>
-            </a:r>
-            <a:endParaRPr lang="pl-PL" sz="1800" dirty="0">
-              <a:solidFill>
-                <a:schemeClr val="bg2"/>
-              </a:solidFill>
-              <a:latin typeface="Arial" panose="020B0604020202020204" pitchFamily="34" charset="0"/>
-              <a:ea typeface="Source Code Pro" panose="020B0509030403020204" pitchFamily="49" charset="0"/>
-              <a:cs typeface="Arial" panose="020B0604020202020204" pitchFamily="34" charset="0"/>
-            </a:endParaRPr>
-          </a:p>
-          <a:p>
-            <a:pPr marL="742950" lvl="1" indent="-285750">
-              <a:lnSpc>
-                <a:spcPct val="150000"/>
-              </a:lnSpc>
-              <a:buFont typeface="Courier New" panose="02070309020205020404" pitchFamily="49" charset="0"/>
-              <a:buChar char="o"/>
-            </a:pPr>
-            <a:endParaRPr lang="pl-PL" sz="1800" dirty="0">
-              <a:solidFill>
-                <a:schemeClr val="bg2"/>
-              </a:solidFill>
-              <a:latin typeface="Arial" panose="020B0604020202020204" pitchFamily="34" charset="0"/>
-              <a:ea typeface="Source Code Pro" panose="020B0509030403020204" pitchFamily="49" charset="0"/>
-              <a:cs typeface="Arial" panose="020B0604020202020204" pitchFamily="34" charset="0"/>
-            </a:endParaRPr>
-          </a:p>
-        </p:txBody>
-      </p:sp>
+      </p:pic>
     </p:spTree>
     <p:extLst>
       <p:ext uri="{BB962C8B-B14F-4D97-AF65-F5344CB8AC3E}">
-        <p14:creationId xmlns:p14="http://schemas.microsoft.com/office/powerpoint/2010/main" val="1666748105"/>
+        <p14:creationId xmlns:p14="http://schemas.microsoft.com/office/powerpoint/2010/main" val="184476136"/>
       </p:ext>
     </p:extLst>
   </p:cSld>
